--- a/assets/diagrams.pptx
+++ b/assets/diagrams.pptx
@@ -7,7 +7,9 @@
   <p:sldIdLst>
     <p:sldId id="256" r:id="rId2"/>
     <p:sldId id="257" r:id="rId3"/>
-    <p:sldId id="258" r:id="rId4"/>
+    <p:sldId id="259" r:id="rId4"/>
+    <p:sldId id="260" r:id="rId5"/>
+    <p:sldId id="258" r:id="rId6"/>
   </p:sldIdLst>
   <p:sldSz cx="12192000" cy="6858000"/>
   <p:notesSz cx="6858000" cy="9144000"/>
@@ -6386,6 +6388,220 @@
 </file>
 
 <file path=ppt/slides/slide3.xml><?xml version="1.0" encoding="utf-8"?>
+<p:sld xmlns:a="http://schemas.openxmlformats.org/drawingml/2006/main" xmlns:r="http://schemas.openxmlformats.org/officeDocument/2006/relationships" xmlns:p="http://schemas.openxmlformats.org/presentationml/2006/main">
+  <p:cSld>
+    <p:spTree>
+      <p:nvGrpSpPr>
+        <p:cNvPr id="1" name=""/>
+        <p:cNvGrpSpPr/>
+        <p:nvPr/>
+      </p:nvGrpSpPr>
+      <p:grpSpPr>
+        <a:xfrm>
+          <a:off x="0" y="0"/>
+          <a:ext cx="0" cy="0"/>
+          <a:chOff x="0" y="0"/>
+          <a:chExt cx="0" cy="0"/>
+        </a:xfrm>
+      </p:grpSpPr>
+      <p:pic>
+        <p:nvPicPr>
+          <p:cNvPr id="4" name="Picture 3">
+            <a:extLst>
+              <a:ext uri="{FF2B5EF4-FFF2-40B4-BE49-F238E27FC236}">
+                <a16:creationId xmlns:a16="http://schemas.microsoft.com/office/drawing/2014/main" id="{BD2A65D3-ADE4-020C-0A87-9FE2E42B71DE}"/>
+              </a:ext>
+            </a:extLst>
+          </p:cNvPr>
+          <p:cNvPicPr>
+            <a:picLocks noChangeAspect="1"/>
+          </p:cNvPicPr>
+          <p:nvPr/>
+        </p:nvPicPr>
+        <p:blipFill>
+          <a:blip r:embed="rId2"/>
+          <a:stretch>
+            <a:fillRect/>
+          </a:stretch>
+        </p:blipFill>
+        <p:spPr>
+          <a:xfrm>
+            <a:off x="3130847" y="0"/>
+            <a:ext cx="5930306" cy="6858000"/>
+          </a:xfrm>
+          <a:prstGeom prst="rect">
+            <a:avLst/>
+          </a:prstGeom>
+        </p:spPr>
+      </p:pic>
+      <p:pic>
+        <p:nvPicPr>
+          <p:cNvPr id="5" name="Picture 4">
+            <a:extLst>
+              <a:ext uri="{FF2B5EF4-FFF2-40B4-BE49-F238E27FC236}">
+                <a16:creationId xmlns:a16="http://schemas.microsoft.com/office/drawing/2014/main" id="{AAE8642D-D841-C085-42A3-346A49617556}"/>
+              </a:ext>
+            </a:extLst>
+          </p:cNvPr>
+          <p:cNvPicPr>
+            <a:picLocks noChangeAspect="1"/>
+          </p:cNvPicPr>
+          <p:nvPr/>
+        </p:nvPicPr>
+        <p:blipFill>
+          <a:blip r:embed="rId3"/>
+          <a:stretch>
+            <a:fillRect/>
+          </a:stretch>
+        </p:blipFill>
+        <p:spPr>
+          <a:xfrm>
+            <a:off x="3698059" y="2037396"/>
+            <a:ext cx="454841" cy="76973"/>
+          </a:xfrm>
+          <a:prstGeom prst="rect">
+            <a:avLst/>
+          </a:prstGeom>
+        </p:spPr>
+      </p:pic>
+      <p:pic>
+        <p:nvPicPr>
+          <p:cNvPr id="6" name="Picture 5">
+            <a:extLst>
+              <a:ext uri="{FF2B5EF4-FFF2-40B4-BE49-F238E27FC236}">
+                <a16:creationId xmlns:a16="http://schemas.microsoft.com/office/drawing/2014/main" id="{720A8F89-8D96-A02D-DE8A-730E573785AE}"/>
+              </a:ext>
+            </a:extLst>
+          </p:cNvPr>
+          <p:cNvPicPr>
+            <a:picLocks noChangeAspect="1"/>
+          </p:cNvPicPr>
+          <p:nvPr/>
+        </p:nvPicPr>
+        <p:blipFill>
+          <a:blip r:embed="rId4"/>
+          <a:stretch>
+            <a:fillRect/>
+          </a:stretch>
+        </p:blipFill>
+        <p:spPr>
+          <a:xfrm>
+            <a:off x="4102100" y="2037396"/>
+            <a:ext cx="419100" cy="139700"/>
+          </a:xfrm>
+          <a:prstGeom prst="rect">
+            <a:avLst/>
+          </a:prstGeom>
+        </p:spPr>
+      </p:pic>
+    </p:spTree>
+    <p:extLst>
+      <p:ext uri="{BB962C8B-B14F-4D97-AF65-F5344CB8AC3E}">
+        <p14:creationId xmlns:p14="http://schemas.microsoft.com/office/powerpoint/2010/main" val="2049613314"/>
+      </p:ext>
+    </p:extLst>
+  </p:cSld>
+  <p:clrMapOvr>
+    <a:masterClrMapping/>
+  </p:clrMapOvr>
+</p:sld>
+</file>
+
+<file path=ppt/slides/slide4.xml><?xml version="1.0" encoding="utf-8"?>
+<p:sld xmlns:a="http://schemas.openxmlformats.org/drawingml/2006/main" xmlns:r="http://schemas.openxmlformats.org/officeDocument/2006/relationships" xmlns:p="http://schemas.openxmlformats.org/presentationml/2006/main">
+  <p:cSld>
+    <p:spTree>
+      <p:nvGrpSpPr>
+        <p:cNvPr id="1" name=""/>
+        <p:cNvGrpSpPr/>
+        <p:nvPr/>
+      </p:nvGrpSpPr>
+      <p:grpSpPr>
+        <a:xfrm>
+          <a:off x="0" y="0"/>
+          <a:ext cx="0" cy="0"/>
+          <a:chOff x="0" y="0"/>
+          <a:chExt cx="0" cy="0"/>
+        </a:xfrm>
+      </p:grpSpPr>
+      <p:sp>
+        <p:nvSpPr>
+          <p:cNvPr id="4" name="TextBox 3">
+            <a:extLst>
+              <a:ext uri="{FF2B5EF4-FFF2-40B4-BE49-F238E27FC236}">
+                <a16:creationId xmlns:a16="http://schemas.microsoft.com/office/drawing/2014/main" id="{21AB6031-7AEC-5412-ABDE-8AC2999FEBCC}"/>
+              </a:ext>
+            </a:extLst>
+          </p:cNvPr>
+          <p:cNvSpPr txBox="1"/>
+          <p:nvPr/>
+        </p:nvSpPr>
+        <p:spPr>
+          <a:xfrm>
+            <a:off x="933254" y="1055802"/>
+            <a:ext cx="3657600" cy="1477328"/>
+          </a:xfrm>
+          <a:prstGeom prst="rect">
+            <a:avLst/>
+          </a:prstGeom>
+          <a:noFill/>
+        </p:spPr>
+        <p:txBody>
+          <a:bodyPr wrap="square" rtlCol="0">
+            <a:spAutoFit/>
+          </a:bodyPr>
+          <a:lstStyle/>
+          <a:p>
+            <a:r>
+              <a:rPr lang="en-US" dirty="0"/>
+              <a:t>I found some funding for shirts. We each get two free. They are a </a:t>
+            </a:r>
+            <a:r>
+              <a:rPr lang="en-CA" b="0" i="0" u="none" strike="noStrike" dirty="0">
+                <a:solidFill>
+                  <a:srgbClr val="111111"/>
+                </a:solidFill>
+                <a:effectLst/>
+                <a:latin typeface="Messina Sans"/>
+              </a:rPr>
+              <a:t>Moisture-wicking / UV 40+. Let me know what sizes you want. </a:t>
+            </a:r>
+            <a:r>
+              <a:rPr lang="en-CA" dirty="0">
+                <a:solidFill>
+                  <a:srgbClr val="111111"/>
+                </a:solidFill>
+                <a:latin typeface="Messina Sans"/>
+              </a:rPr>
+              <a:t>Sizes need to be in for next week.</a:t>
+            </a:r>
+            <a:r>
+              <a:rPr lang="en-CA" b="0" i="0" u="none" strike="noStrike" dirty="0">
+                <a:solidFill>
+                  <a:srgbClr val="111111"/>
+                </a:solidFill>
+                <a:effectLst/>
+                <a:latin typeface="Messina Sans"/>
+              </a:rPr>
+              <a:t> </a:t>
+            </a:r>
+          </a:p>
+        </p:txBody>
+      </p:sp>
+    </p:spTree>
+    <p:extLst>
+      <p:ext uri="{BB962C8B-B14F-4D97-AF65-F5344CB8AC3E}">
+        <p14:creationId xmlns:p14="http://schemas.microsoft.com/office/powerpoint/2010/main" val="1128103764"/>
+      </p:ext>
+    </p:extLst>
+  </p:cSld>
+  <p:clrMapOvr>
+    <a:masterClrMapping/>
+  </p:clrMapOvr>
+</p:sld>
+</file>
+
+<file path=ppt/slides/slide5.xml><?xml version="1.0" encoding="utf-8"?>
 <p:sld xmlns:a="http://schemas.openxmlformats.org/drawingml/2006/main" xmlns:r="http://schemas.openxmlformats.org/officeDocument/2006/relationships" xmlns:p="http://schemas.openxmlformats.org/presentationml/2006/main">
   <p:cSld>
     <p:spTree>
